--- a/database/slides/HE_IS_LORD.pptx
+++ b/database/slides/HE_IS_LORD.pptx
@@ -15757,10 +15757,10 @@
       </p:sp>
       <p:sp>
         <p:nvSpPr>
-          <p:cNvPr id="2" name="Google Shape;131;p25">
+          <p:cNvPr id="3" name="Google Shape;131;p25">
             <a:extLst>
               <a:ext uri="{FF2B5EF4-FFF2-40B4-BE49-F238E27FC236}">
-                <a16:creationId xmlns:a16="http://schemas.microsoft.com/office/drawing/2014/main" id="{CCE7D0E3-236B-EC32-A57A-FA9854722A1D}"/>
+                <a16:creationId xmlns:a16="http://schemas.microsoft.com/office/drawing/2014/main" id="{3142D230-4E03-6C50-5798-7A1AE75AA09B}"/>
               </a:ext>
             </a:extLst>
           </p:cNvPr>
